--- a/files/teaching-resources/monmouthcollege-econ-380/econ-380-slides/ECON380-LEC02.pptx
+++ b/files/teaching-resources/monmouthcollege-econ-380/econ-380-slides/ECON380-LEC02.pptx
@@ -223,7 +223,7 @@
           <a:p>
             <a:fld id="{0E0A6441-4E79-42FF-805B-86C90BDFD38D}" type="datetimeFigureOut">
               <a:rPr lang="en-US" smtClean="0"/>
-              <a:t>1/26/2025</a:t>
+              <a:t>1/28/2025</a:t>
             </a:fld>
             <a:endParaRPr lang="en-US"/>
           </a:p>
@@ -5814,8 +5814,8 @@
           </a:p>
         </p:txBody>
       </p:sp>
-      <mc:AlternateContent xmlns:mc="http://schemas.openxmlformats.org/markup-compatibility/2006" xmlns:a14="http://schemas.microsoft.com/office/drawing/2010/main">
-        <mc:Choice Requires="a14">
+      <mc:AlternateContent xmlns:mc="http://schemas.openxmlformats.org/markup-compatibility/2006">
+        <mc:Choice xmlns:a14="http://schemas.microsoft.com/office/drawing/2010/main" Requires="a14">
           <p:sp>
             <p:nvSpPr>
               <p:cNvPr id="3" name="Content Placeholder 2">
@@ -5879,7 +5879,7 @@
               <a:p>
                 <a:r>
                   <a:rPr lang="en-US" dirty="0"/>
-                  <a:t>In the presence of negative externalities…</a:t>
+                  <a:t>In the presence of positive externalities…</a:t>
                 </a:r>
               </a:p>
               <a:p>
@@ -6070,7 +6070,7 @@
             </p:txBody>
           </p:sp>
         </mc:Choice>
-        <mc:Fallback xmlns="">
+        <mc:Fallback>
           <p:sp>
             <p:nvSpPr>
               <p:cNvPr id="3" name="Content Placeholder 2">
